--- a/docs/Focra.pptx
+++ b/docs/Focra.pptx
@@ -109,6 +109,11 @@
       </a:defRPr>
     </a:lvl9pPr>
   </p:defaultTextStyle>
+  <p:extLst>
+    <p:ext uri="{EFAFB233-063F-42B5-8137-9DF3F51BA10A}">
+      <p15:sldGuideLst xmlns:p15="http://schemas.microsoft.com/office/powerpoint/2012/main"/>
+    </p:ext>
+  </p:extLst>
 </p:presentation>
 </file>
 
@@ -254,7 +259,7 @@
           <a:p>
             <a:fld id="{9F546574-732C-43DC-BA1E-6A1C1A24D06A}" type="datetimeFigureOut">
               <a:rPr lang="en-GB" smtClean="0"/>
-              <a:t>06/03/2015</a:t>
+              <a:t>08/03/2015</a:t>
             </a:fld>
             <a:endParaRPr lang="en-GB"/>
           </a:p>
@@ -424,7 +429,7 @@
           <a:p>
             <a:fld id="{9F546574-732C-43DC-BA1E-6A1C1A24D06A}" type="datetimeFigureOut">
               <a:rPr lang="en-GB" smtClean="0"/>
-              <a:t>06/03/2015</a:t>
+              <a:t>08/03/2015</a:t>
             </a:fld>
             <a:endParaRPr lang="en-GB"/>
           </a:p>
@@ -604,7 +609,7 @@
           <a:p>
             <a:fld id="{9F546574-732C-43DC-BA1E-6A1C1A24D06A}" type="datetimeFigureOut">
               <a:rPr lang="en-GB" smtClean="0"/>
-              <a:t>06/03/2015</a:t>
+              <a:t>08/03/2015</a:t>
             </a:fld>
             <a:endParaRPr lang="en-GB"/>
           </a:p>
@@ -1387,7 +1392,7 @@
           <a:p>
             <a:fld id="{9F546574-732C-43DC-BA1E-6A1C1A24D06A}" type="datetimeFigureOut">
               <a:rPr lang="en-GB" smtClean="0"/>
-              <a:t>06/03/2015</a:t>
+              <a:t>08/03/2015</a:t>
             </a:fld>
             <a:endParaRPr lang="en-GB"/>
           </a:p>
@@ -1563,7 +1568,7 @@
           <a:p>
             <a:fld id="{9F546574-732C-43DC-BA1E-6A1C1A24D06A}" type="datetimeFigureOut">
               <a:rPr lang="en-GB" smtClean="0"/>
-              <a:t>06/03/2015</a:t>
+              <a:t>08/03/2015</a:t>
             </a:fld>
             <a:endParaRPr lang="en-GB"/>
           </a:p>
@@ -1810,7 +1815,7 @@
           <a:p>
             <a:fld id="{9F546574-732C-43DC-BA1E-6A1C1A24D06A}" type="datetimeFigureOut">
               <a:rPr lang="en-GB" smtClean="0"/>
-              <a:t>06/03/2015</a:t>
+              <a:t>08/03/2015</a:t>
             </a:fld>
             <a:endParaRPr lang="en-GB"/>
           </a:p>
@@ -2042,7 +2047,7 @@
           <a:p>
             <a:fld id="{9F546574-732C-43DC-BA1E-6A1C1A24D06A}" type="datetimeFigureOut">
               <a:rPr lang="en-GB" smtClean="0"/>
-              <a:t>06/03/2015</a:t>
+              <a:t>08/03/2015</a:t>
             </a:fld>
             <a:endParaRPr lang="en-GB"/>
           </a:p>
@@ -2416,7 +2421,7 @@
           <a:p>
             <a:fld id="{9F546574-732C-43DC-BA1E-6A1C1A24D06A}" type="datetimeFigureOut">
               <a:rPr lang="en-GB" smtClean="0"/>
-              <a:t>06/03/2015</a:t>
+              <a:t>08/03/2015</a:t>
             </a:fld>
             <a:endParaRPr lang="en-GB"/>
           </a:p>
@@ -2539,7 +2544,7 @@
           <a:p>
             <a:fld id="{9F546574-732C-43DC-BA1E-6A1C1A24D06A}" type="datetimeFigureOut">
               <a:rPr lang="en-GB" smtClean="0"/>
-              <a:t>06/03/2015</a:t>
+              <a:t>08/03/2015</a:t>
             </a:fld>
             <a:endParaRPr lang="en-GB"/>
           </a:p>
@@ -2634,7 +2639,7 @@
           <a:p>
             <a:fld id="{9F546574-732C-43DC-BA1E-6A1C1A24D06A}" type="datetimeFigureOut">
               <a:rPr lang="en-GB" smtClean="0"/>
-              <a:t>06/03/2015</a:t>
+              <a:t>08/03/2015</a:t>
             </a:fld>
             <a:endParaRPr lang="en-GB"/>
           </a:p>
@@ -2889,7 +2894,7 @@
           <a:p>
             <a:fld id="{9F546574-732C-43DC-BA1E-6A1C1A24D06A}" type="datetimeFigureOut">
               <a:rPr lang="en-GB" smtClean="0"/>
-              <a:t>06/03/2015</a:t>
+              <a:t>08/03/2015</a:t>
             </a:fld>
             <a:endParaRPr lang="en-GB"/>
           </a:p>
@@ -3059,7 +3064,7 @@
           <a:p>
             <a:fld id="{9F546574-732C-43DC-BA1E-6A1C1A24D06A}" type="datetimeFigureOut">
               <a:rPr lang="en-GB" smtClean="0"/>
-              <a:t>06/03/2015</a:t>
+              <a:t>08/03/2015</a:t>
             </a:fld>
             <a:endParaRPr lang="en-GB"/>
           </a:p>
@@ -3322,7 +3327,7 @@
           <a:p>
             <a:fld id="{9F546574-732C-43DC-BA1E-6A1C1A24D06A}" type="datetimeFigureOut">
               <a:rPr lang="en-GB" smtClean="0"/>
-              <a:t>06/03/2015</a:t>
+              <a:t>08/03/2015</a:t>
             </a:fld>
             <a:endParaRPr lang="en-GB"/>
           </a:p>
@@ -3573,7 +3578,7 @@
           <a:p>
             <a:fld id="{9F546574-732C-43DC-BA1E-6A1C1A24D06A}" type="datetimeFigureOut">
               <a:rPr lang="en-GB" smtClean="0"/>
-              <a:t>06/03/2015</a:t>
+              <a:t>08/03/2015</a:t>
             </a:fld>
             <a:endParaRPr lang="en-GB"/>
           </a:p>
@@ -3887,7 +3892,7 @@
           <a:p>
             <a:fld id="{9F546574-732C-43DC-BA1E-6A1C1A24D06A}" type="datetimeFigureOut">
               <a:rPr lang="en-GB" smtClean="0"/>
-              <a:t>06/03/2015</a:t>
+              <a:t>08/03/2015</a:t>
             </a:fld>
             <a:endParaRPr lang="en-GB"/>
           </a:p>
@@ -4228,7 +4233,7 @@
           <a:p>
             <a:fld id="{9F546574-732C-43DC-BA1E-6A1C1A24D06A}" type="datetimeFigureOut">
               <a:rPr lang="en-GB" smtClean="0"/>
-              <a:t>06/03/2015</a:t>
+              <a:t>08/03/2015</a:t>
             </a:fld>
             <a:endParaRPr lang="en-GB"/>
           </a:p>
@@ -4542,7 +4547,7 @@
           <a:p>
             <a:fld id="{9F546574-732C-43DC-BA1E-6A1C1A24D06A}" type="datetimeFigureOut">
               <a:rPr lang="en-GB" smtClean="0"/>
-              <a:t>06/03/2015</a:t>
+              <a:t>08/03/2015</a:t>
             </a:fld>
             <a:endParaRPr lang="en-GB"/>
           </a:p>
@@ -4935,7 +4940,7 @@
           <a:p>
             <a:fld id="{9F546574-732C-43DC-BA1E-6A1C1A24D06A}" type="datetimeFigureOut">
               <a:rPr lang="en-GB" smtClean="0"/>
-              <a:t>06/03/2015</a:t>
+              <a:t>08/03/2015</a:t>
             </a:fld>
             <a:endParaRPr lang="en-GB"/>
           </a:p>
@@ -5105,7 +5110,7 @@
           <a:p>
             <a:fld id="{9F546574-732C-43DC-BA1E-6A1C1A24D06A}" type="datetimeFigureOut">
               <a:rPr lang="en-GB" smtClean="0"/>
-              <a:t>06/03/2015</a:t>
+              <a:t>08/03/2015</a:t>
             </a:fld>
             <a:endParaRPr lang="en-GB"/>
           </a:p>
@@ -5285,7 +5290,7 @@
           <a:p>
             <a:fld id="{9F546574-732C-43DC-BA1E-6A1C1A24D06A}" type="datetimeFigureOut">
               <a:rPr lang="en-GB" smtClean="0"/>
-              <a:t>06/03/2015</a:t>
+              <a:t>08/03/2015</a:t>
             </a:fld>
             <a:endParaRPr lang="en-GB"/>
           </a:p>
@@ -5536,7 +5541,7 @@
           <a:p>
             <a:fld id="{9F546574-732C-43DC-BA1E-6A1C1A24D06A}" type="datetimeFigureOut">
               <a:rPr lang="en-GB" smtClean="0"/>
-              <a:t>06/03/2015</a:t>
+              <a:t>08/03/2015</a:t>
             </a:fld>
             <a:endParaRPr lang="en-GB"/>
           </a:p>
@@ -5768,7 +5773,7 @@
           <a:p>
             <a:fld id="{9F546574-732C-43DC-BA1E-6A1C1A24D06A}" type="datetimeFigureOut">
               <a:rPr lang="en-GB" smtClean="0"/>
-              <a:t>06/03/2015</a:t>
+              <a:t>08/03/2015</a:t>
             </a:fld>
             <a:endParaRPr lang="en-GB"/>
           </a:p>
@@ -6115,7 +6120,7 @@
           <a:p>
             <a:fld id="{9F546574-732C-43DC-BA1E-6A1C1A24D06A}" type="datetimeFigureOut">
               <a:rPr lang="en-GB" smtClean="0"/>
-              <a:t>06/03/2015</a:t>
+              <a:t>08/03/2015</a:t>
             </a:fld>
             <a:endParaRPr lang="en-GB"/>
           </a:p>
@@ -6233,7 +6238,7 @@
           <a:p>
             <a:fld id="{9F546574-732C-43DC-BA1E-6A1C1A24D06A}" type="datetimeFigureOut">
               <a:rPr lang="en-GB" smtClean="0"/>
-              <a:t>06/03/2015</a:t>
+              <a:t>08/03/2015</a:t>
             </a:fld>
             <a:endParaRPr lang="en-GB"/>
           </a:p>
@@ -6351,7 +6356,7 @@
           <a:p>
             <a:fld id="{9F546574-732C-43DC-BA1E-6A1C1A24D06A}" type="datetimeFigureOut">
               <a:rPr lang="en-GB" smtClean="0"/>
-              <a:t>06/03/2015</a:t>
+              <a:t>08/03/2015</a:t>
             </a:fld>
             <a:endParaRPr lang="en-GB"/>
           </a:p>
@@ -6635,7 +6640,7 @@
           <a:p>
             <a:fld id="{9F546574-732C-43DC-BA1E-6A1C1A24D06A}" type="datetimeFigureOut">
               <a:rPr lang="en-GB" smtClean="0"/>
-              <a:t>06/03/2015</a:t>
+              <a:t>08/03/2015</a:t>
             </a:fld>
             <a:endParaRPr lang="en-GB"/>
           </a:p>
@@ -6899,7 +6904,7 @@
           <a:p>
             <a:fld id="{9F546574-732C-43DC-BA1E-6A1C1A24D06A}" type="datetimeFigureOut">
               <a:rPr lang="en-GB" smtClean="0"/>
-              <a:t>06/03/2015</a:t>
+              <a:t>08/03/2015</a:t>
             </a:fld>
             <a:endParaRPr lang="en-GB"/>
           </a:p>
@@ -7113,7 +7118,7 @@
           <a:p>
             <a:fld id="{9F546574-732C-43DC-BA1E-6A1C1A24D06A}" type="datetimeFigureOut">
               <a:rPr lang="en-GB" smtClean="0"/>
-              <a:t>06/03/2015</a:t>
+              <a:t>08/03/2015</a:t>
             </a:fld>
             <a:endParaRPr lang="en-GB"/>
           </a:p>
@@ -8172,7 +8177,7 @@
           <a:p>
             <a:fld id="{9F546574-732C-43DC-BA1E-6A1C1A24D06A}" type="datetimeFigureOut">
               <a:rPr lang="en-GB" smtClean="0"/>
-              <a:t>06/03/2015</a:t>
+              <a:t>08/03/2015</a:t>
             </a:fld>
             <a:endParaRPr lang="en-GB"/>
           </a:p>
@@ -10004,6 +10009,58 @@
           </a:fontRef>
         </p:style>
       </p:cxnSp>
+      <p:sp>
+        <p:nvSpPr>
+          <p:cNvPr id="2" name="TextBox 1"/>
+          <p:cNvSpPr txBox="1"/>
+          <p:nvPr/>
+        </p:nvSpPr>
+        <p:spPr>
+          <a:xfrm>
+            <a:off x="1146220" y="450761"/>
+            <a:ext cx="2823978" cy="923330"/>
+          </a:xfrm>
+          <a:prstGeom prst="rect">
+            <a:avLst/>
+          </a:prstGeom>
+          <a:noFill/>
+        </p:spPr>
+        <p:txBody>
+          <a:bodyPr wrap="none" rtlCol="0">
+            <a:spAutoFit/>
+          </a:bodyPr>
+          <a:lstStyle/>
+          <a:p>
+            <a:pPr marL="342900" indent="-342900">
+              <a:buAutoNum type="arabicPeriod"/>
+            </a:pPr>
+            <a:r>
+              <a:rPr lang="en-GB" dirty="0" smtClean="0"/>
+              <a:t>HTML Pre-processing</a:t>
+            </a:r>
+          </a:p>
+          <a:p>
+            <a:pPr marL="342900" indent="-342900">
+              <a:buAutoNum type="arabicPeriod"/>
+            </a:pPr>
+            <a:r>
+              <a:rPr lang="en-GB" dirty="0" smtClean="0"/>
+              <a:t>Generating </a:t>
+            </a:r>
+            <a:r>
+              <a:rPr lang="en-GB" dirty="0" err="1" smtClean="0"/>
+              <a:t>Tempalate</a:t>
+            </a:r>
+            <a:endParaRPr lang="en-GB" dirty="0" smtClean="0"/>
+          </a:p>
+          <a:p>
+            <a:pPr marL="342900" indent="-342900">
+              <a:buAutoNum type="arabicPeriod"/>
+            </a:pPr>
+            <a:endParaRPr lang="en-GB" dirty="0"/>
+          </a:p>
+        </p:txBody>
+      </p:sp>
     </p:spTree>
     <p:extLst>
       <p:ext uri="{BB962C8B-B14F-4D97-AF65-F5344CB8AC3E}">
